--- a/Лекции/ООП 1 лек 1.pptx
+++ b/Лекции/ООП 1 лек 1.pptx
@@ -238,7 +238,7 @@
             <a:fld id="{AA2F9473-F066-431E-A6E8-1D478C995A6B}" type="datetimeFigureOut">
               <a:rPr lang="en-US" smtClean="0"/>
               <a:pPr/>
-              <a:t>2/3/2025</a:t>
+              <a:t>4/15/2025</a:t>
             </a:fld>
             <a:endParaRPr lang="en-US"/>
           </a:p>
@@ -4445,15 +4445,15 @@
         </p:nvSpPr>
         <p:spPr>
           <a:xfrm>
-            <a:off x="139700" y="0"/>
-            <a:ext cx="12052300" cy="6924973"/>
+            <a:off x="0" y="0"/>
+            <a:ext cx="12192000" cy="6924973"/>
           </a:xfrm>
           <a:prstGeom prst="rect">
             <a:avLst/>
           </a:prstGeom>
         </p:spPr>
         <p:txBody>
-          <a:bodyPr wrap="square">
+          <a:bodyPr wrap="square" lIns="360000" rIns="360000">
             <a:spAutoFit/>
           </a:bodyPr>
           <a:lstStyle/>
@@ -5457,16 +5457,15 @@
           </p:cNvPicPr>
           <p:nvPr/>
         </p:nvPicPr>
-        <p:blipFill>
+        <p:blipFill rotWithShape="1">
           <a:blip r:embed="rId3"/>
-          <a:stretch>
-            <a:fillRect/>
-          </a:stretch>
+          <a:srcRect r="5935"/>
+          <a:stretch/>
         </p:blipFill>
         <p:spPr>
           <a:xfrm>
-            <a:off x="8661400" y="0"/>
-            <a:ext cx="3530600" cy="3084352"/>
+            <a:off x="8747125" y="219075"/>
+            <a:ext cx="3321050" cy="3084352"/>
           </a:xfrm>
           <a:prstGeom prst="rect">
             <a:avLst/>
@@ -5518,15 +5517,15 @@
         </p:nvSpPr>
         <p:spPr>
           <a:xfrm>
-            <a:off x="212140" y="0"/>
-            <a:ext cx="11979859" cy="5078313"/>
+            <a:off x="0" y="0"/>
+            <a:ext cx="12191999" cy="5078313"/>
           </a:xfrm>
           <a:prstGeom prst="rect">
             <a:avLst/>
           </a:prstGeom>
         </p:spPr>
         <p:txBody>
-          <a:bodyPr wrap="square">
+          <a:bodyPr wrap="square" lIns="360000" rIns="360000">
             <a:spAutoFit/>
           </a:bodyPr>
           <a:lstStyle/>
@@ -6310,15 +6309,15 @@
         </p:nvSpPr>
         <p:spPr>
           <a:xfrm>
-            <a:off x="256032" y="0"/>
-            <a:ext cx="11935968" cy="6370975"/>
+            <a:off x="0" y="0"/>
+            <a:ext cx="12192000" cy="6370975"/>
           </a:xfrm>
           <a:prstGeom prst="rect">
             <a:avLst/>
           </a:prstGeom>
         </p:spPr>
         <p:txBody>
-          <a:bodyPr wrap="square">
+          <a:bodyPr wrap="square" lIns="360000" rIns="360000">
             <a:spAutoFit/>
           </a:bodyPr>
           <a:lstStyle/>
@@ -7156,21 +7155,29 @@
         </p:nvSpPr>
         <p:spPr>
           <a:xfrm>
-            <a:off x="204826" y="0"/>
-            <a:ext cx="11987174" cy="6001643"/>
+            <a:off x="0" y="0"/>
+            <a:ext cx="12192000" cy="6370975"/>
           </a:xfrm>
           <a:prstGeom prst="rect">
             <a:avLst/>
           </a:prstGeom>
         </p:spPr>
         <p:txBody>
-          <a:bodyPr wrap="square">
+          <a:bodyPr wrap="square" lIns="360000" rIns="360000">
             <a:spAutoFit/>
           </a:bodyPr>
           <a:lstStyle/>
           <a:p>
-            <a:r>
-              <a:rPr lang="en-US" sz="2400" dirty="0">
+            <a:endParaRPr lang="ru-RU" sz="2400" dirty="0" smtClean="0">
+              <a:solidFill>
+                <a:srgbClr val="AF00DB"/>
+              </a:solidFill>
+              <a:latin typeface="Consolas" panose="020B0609020204030204" pitchFamily="49" charset="0"/>
+            </a:endParaRPr>
+          </a:p>
+          <a:p>
+            <a:r>
+              <a:rPr lang="en-US" sz="2400" dirty="0" smtClean="0">
                 <a:solidFill>
                   <a:srgbClr val="AF00DB"/>
                 </a:solidFill>
@@ -7179,7 +7186,7 @@
               <a:t>using</a:t>
             </a:r>
             <a:r>
-              <a:rPr lang="en-US" sz="2400" dirty="0">
+              <a:rPr lang="en-US" sz="2400" dirty="0" smtClean="0">
                 <a:solidFill>
                   <a:srgbClr val="3B3B3B"/>
                 </a:solidFill>
@@ -8120,15 +8127,15 @@
         </p:nvSpPr>
         <p:spPr>
           <a:xfrm>
-            <a:off x="139700" y="0"/>
-            <a:ext cx="12052300" cy="6740307"/>
+            <a:off x="0" y="0"/>
+            <a:ext cx="12192000" cy="6740307"/>
           </a:xfrm>
           <a:prstGeom prst="rect">
             <a:avLst/>
           </a:prstGeom>
         </p:spPr>
         <p:txBody>
-          <a:bodyPr wrap="square">
+          <a:bodyPr wrap="square" lIns="360000" rIns="360000">
             <a:spAutoFit/>
           </a:bodyPr>
           <a:lstStyle/>
@@ -9467,15 +9474,15 @@
         </p:nvSpPr>
         <p:spPr>
           <a:xfrm>
-            <a:off x="248716" y="0"/>
-            <a:ext cx="11943283" cy="6924973"/>
+            <a:off x="0" y="0"/>
+            <a:ext cx="12191999" cy="6924973"/>
           </a:xfrm>
           <a:prstGeom prst="rect">
             <a:avLst/>
           </a:prstGeom>
         </p:spPr>
         <p:txBody>
-          <a:bodyPr wrap="square">
+          <a:bodyPr wrap="square" lIns="360000" rIns="360000">
             <a:spAutoFit/>
           </a:bodyPr>
           <a:lstStyle/>
@@ -10573,21 +10580,29 @@
         </p:nvSpPr>
         <p:spPr>
           <a:xfrm>
-            <a:off x="292608" y="0"/>
-            <a:ext cx="11899392" cy="6370975"/>
+            <a:off x="0" y="0"/>
+            <a:ext cx="12192000" cy="6740307"/>
           </a:xfrm>
           <a:prstGeom prst="rect">
             <a:avLst/>
           </a:prstGeom>
         </p:spPr>
         <p:txBody>
-          <a:bodyPr wrap="square">
+          <a:bodyPr wrap="square" lIns="360000" rIns="360000">
             <a:spAutoFit/>
           </a:bodyPr>
           <a:lstStyle/>
           <a:p>
-            <a:r>
-              <a:rPr lang="en-US" sz="2400" dirty="0">
+            <a:endParaRPr lang="ru-RU" sz="2400" dirty="0" smtClean="0">
+              <a:solidFill>
+                <a:srgbClr val="AF00DB"/>
+              </a:solidFill>
+              <a:latin typeface="Consolas" panose="020B0609020204030204" pitchFamily="49" charset="0"/>
+            </a:endParaRPr>
+          </a:p>
+          <a:p>
+            <a:r>
+              <a:rPr lang="en-US" sz="2400" dirty="0" smtClean="0">
                 <a:solidFill>
                   <a:srgbClr val="AF00DB"/>
                 </a:solidFill>
@@ -10596,7 +10611,7 @@
               <a:t>using</a:t>
             </a:r>
             <a:r>
-              <a:rPr lang="en-US" sz="2400" dirty="0">
+              <a:rPr lang="en-US" sz="2400" dirty="0" smtClean="0">
                 <a:solidFill>
                   <a:srgbClr val="3B3B3B"/>
                 </a:solidFill>
@@ -11626,20 +11641,20 @@
         </p:nvSpPr>
         <p:spPr>
           <a:xfrm>
-            <a:off x="175564" y="0"/>
-            <a:ext cx="12016435" cy="6740307"/>
+            <a:off x="0" y="0"/>
+            <a:ext cx="12191999" cy="6740307"/>
           </a:xfrm>
           <a:prstGeom prst="rect">
             <a:avLst/>
           </a:prstGeom>
         </p:spPr>
         <p:txBody>
-          <a:bodyPr wrap="square">
+          <a:bodyPr wrap="square" lIns="360000" rIns="360000">
             <a:spAutoFit/>
           </a:bodyPr>
           <a:lstStyle/>
           <a:p>
-            <a:pPr>
+            <a:pPr algn="just">
               <a:lnSpc>
                 <a:spcPct val="150000"/>
               </a:lnSpc>
@@ -11658,7 +11673,7 @@
             </a:r>
           </a:p>
           <a:p>
-            <a:pPr>
+            <a:pPr algn="just">
               <a:lnSpc>
                 <a:spcPct val="150000"/>
               </a:lnSpc>
@@ -11667,7 +11682,7 @@
               <a:rPr lang="ru-RU" sz="2400" dirty="0">
                 <a:latin typeface="Bookman Old Style" panose="02050604050505020204" pitchFamily="18" charset="0"/>
               </a:rPr>
-              <a:t>При создании приложения для него определяется набор сборок, которые будут использоваться. В проекте указываются ссылки на эти сборки, и когда приложение выполняется, при обращении к функционалу этих сборок они автоматически подгружаются</a:t>
+              <a:t>При разработке приложения определяется набор используемых сборок. В проекте указываются ссылки на эти сборки, и во время выполнения приложения они автоматически загружаются при обращении к их функционалу</a:t>
             </a:r>
             <a:r>
               <a:rPr lang="ru-RU" sz="2400" dirty="0" smtClean="0">
@@ -11680,29 +11695,71 @@
             </a:endParaRPr>
           </a:p>
           <a:p>
-            <a:pPr>
+            <a:pPr algn="just">
               <a:lnSpc>
                 <a:spcPct val="150000"/>
               </a:lnSpc>
             </a:pPr>
             <a:r>
+              <a:rPr lang="ru-RU" sz="2400" dirty="0">
+                <a:latin typeface="Bookman Old Style" panose="02050604050505020204" pitchFamily="18" charset="0"/>
+              </a:rPr>
+              <a:t>Кроме того, существует возможность </a:t>
+            </a:r>
+            <a:r>
               <a:rPr lang="ru-RU" sz="2400" b="1" dirty="0">
                 <a:latin typeface="Bookman Old Style" panose="02050604050505020204" pitchFamily="18" charset="0"/>
               </a:rPr>
-              <a:t>Но также мы можем сами динамически подгружать другие сборки, на которые в проекте нет ссылок</a:t>
-            </a:r>
-            <a:r>
-              <a:rPr lang="ru-RU" sz="2400" b="1" dirty="0" smtClean="0">
+              <a:t>динамической загрузки </a:t>
+            </a:r>
+            <a:r>
+              <a:rPr lang="ru-RU" sz="2400" dirty="0" smtClean="0">
+                <a:latin typeface="Bookman Old Style" panose="02050604050505020204" pitchFamily="18" charset="0"/>
+              </a:rPr>
+              <a:t>сборок</a:t>
+            </a:r>
+            <a:r>
+              <a:rPr lang="ru-RU" sz="2400" dirty="0">
+                <a:latin typeface="Bookman Old Style" panose="02050604050505020204" pitchFamily="18" charset="0"/>
+              </a:rPr>
+              <a:t>, на которые отсутствуют прямые ссылки в проекте. Управление сборками осуществляется с помощью класса </a:t>
+            </a:r>
+            <a:r>
+              <a:rPr lang="ru-RU" sz="2400" b="1" dirty="0" err="1">
+                <a:latin typeface="Bookman Old Style" panose="02050604050505020204" pitchFamily="18" charset="0"/>
+              </a:rPr>
+              <a:t>Assembly</a:t>
+            </a:r>
+            <a:r>
+              <a:rPr lang="ru-RU" sz="2400" dirty="0">
+                <a:latin typeface="Bookman Old Style" panose="02050604050505020204" pitchFamily="18" charset="0"/>
+              </a:rPr>
+              <a:t> из пространства имен </a:t>
+            </a:r>
+            <a:r>
+              <a:rPr lang="ru-RU" sz="2400" b="1" dirty="0" err="1">
+                <a:latin typeface="Bookman Old Style" panose="02050604050505020204" pitchFamily="18" charset="0"/>
+              </a:rPr>
+              <a:t>System.Reflection</a:t>
+            </a:r>
+            <a:r>
+              <a:rPr lang="ru-RU" sz="2400" dirty="0">
+                <a:latin typeface="Bookman Old Style" panose="02050604050505020204" pitchFamily="18" charset="0"/>
+              </a:rPr>
+              <a:t>, который позволяет загружать и анализировать их содержимое</a:t>
+            </a:r>
+            <a:r>
+              <a:rPr lang="ru-RU" sz="2400" dirty="0" smtClean="0">
                 <a:latin typeface="Bookman Old Style" panose="02050604050505020204" pitchFamily="18" charset="0"/>
               </a:rPr>
               <a:t>.</a:t>
             </a:r>
-            <a:endParaRPr lang="ru-RU" sz="2400" b="1" dirty="0">
+            <a:endParaRPr lang="ru-RU" sz="2400" dirty="0">
               <a:latin typeface="Bookman Old Style" panose="02050604050505020204" pitchFamily="18" charset="0"/>
             </a:endParaRPr>
           </a:p>
           <a:p>
-            <a:pPr>
+            <a:pPr algn="just">
               <a:lnSpc>
                 <a:spcPct val="150000"/>
               </a:lnSpc>
@@ -11711,111 +11768,31 @@
               <a:rPr lang="ru-RU" sz="2400" dirty="0">
                 <a:latin typeface="Bookman Old Style" panose="02050604050505020204" pitchFamily="18" charset="0"/>
               </a:rPr>
-              <a:t>Для управления сборками в пространстве имен</a:t>
-            </a:r>
-            <a:r>
-              <a:rPr lang="ru-RU" sz="2400" b="1" dirty="0">
-                <a:latin typeface="Bookman Old Style" panose="02050604050505020204" pitchFamily="18" charset="0"/>
-              </a:rPr>
-              <a:t> </a:t>
-            </a:r>
-            <a:r>
-              <a:rPr lang="ru-RU" sz="2400" b="1" dirty="0" err="1">
-                <a:latin typeface="Bookman Old Style" panose="02050604050505020204" pitchFamily="18" charset="0"/>
-              </a:rPr>
-              <a:t>System.Reflection</a:t>
+              <a:t>Для динамической загрузки сборок применяются статические методы </a:t>
+            </a:r>
+            <a:r>
+              <a:rPr lang="ru-RU" sz="2400" dirty="0" err="1">
+                <a:latin typeface="Bookman Old Style" panose="02050604050505020204" pitchFamily="18" charset="0"/>
+              </a:rPr>
+              <a:t>Assembly.Load</a:t>
             </a:r>
             <a:r>
               <a:rPr lang="ru-RU" sz="2400" dirty="0">
                 <a:latin typeface="Bookman Old Style" panose="02050604050505020204" pitchFamily="18" charset="0"/>
               </a:rPr>
-              <a:t> имеется класс </a:t>
-            </a:r>
-            <a:r>
-              <a:rPr lang="ru-RU" sz="2400" b="1" dirty="0" err="1">
-                <a:latin typeface="Bookman Old Style" panose="02050604050505020204" pitchFamily="18" charset="0"/>
-              </a:rPr>
-              <a:t>Assembly</a:t>
-            </a:r>
-            <a:r>
-              <a:rPr lang="ru-RU" sz="2400" dirty="0">
-                <a:latin typeface="Bookman Old Style" panose="02050604050505020204" pitchFamily="18" charset="0"/>
-              </a:rPr>
-              <a:t>. С его помощью можно загружать сборку, исследовать ее</a:t>
+              <a:t>() и </a:t>
+            </a:r>
+            <a:r>
+              <a:rPr lang="ru-RU" sz="2400" dirty="0" err="1">
+                <a:latin typeface="Bookman Old Style" panose="02050604050505020204" pitchFamily="18" charset="0"/>
+              </a:rPr>
+              <a:t>Assembly.LoadFrom</a:t>
             </a:r>
             <a:r>
               <a:rPr lang="ru-RU" sz="2400" dirty="0" smtClean="0">
                 <a:latin typeface="Bookman Old Style" panose="02050604050505020204" pitchFamily="18" charset="0"/>
               </a:rPr>
-              <a:t>.</a:t>
-            </a:r>
-            <a:endParaRPr lang="ru-RU" sz="2400" dirty="0">
-              <a:latin typeface="Bookman Old Style" panose="02050604050505020204" pitchFamily="18" charset="0"/>
-            </a:endParaRPr>
-          </a:p>
-          <a:p>
-            <a:pPr>
-              <a:lnSpc>
-                <a:spcPct val="150000"/>
-              </a:lnSpc>
-            </a:pPr>
-            <a:r>
-              <a:rPr lang="ru-RU" sz="2400" dirty="0">
-                <a:latin typeface="Bookman Old Style" panose="02050604050505020204" pitchFamily="18" charset="0"/>
-              </a:rPr>
-              <a:t>Чтобы динамически загрузить сборку в приложение, надо использовать статические методы </a:t>
-            </a:r>
-            <a:r>
-              <a:rPr lang="ru-RU" sz="2400" b="1" dirty="0" err="1">
-                <a:latin typeface="Bookman Old Style" panose="02050604050505020204" pitchFamily="18" charset="0"/>
-              </a:rPr>
-              <a:t>Assembly.LoadFrom</a:t>
-            </a:r>
-            <a:r>
-              <a:rPr lang="ru-RU" sz="2400" dirty="0">
-                <a:latin typeface="Bookman Old Style" panose="02050604050505020204" pitchFamily="18" charset="0"/>
-              </a:rPr>
-              <a:t>() или </a:t>
-            </a:r>
-            <a:r>
-              <a:rPr lang="ru-RU" sz="2400" b="1" dirty="0" err="1">
-                <a:latin typeface="Bookman Old Style" panose="02050604050505020204" pitchFamily="18" charset="0"/>
-              </a:rPr>
-              <a:t>Assembly.Load</a:t>
-            </a:r>
-            <a:r>
-              <a:rPr lang="ru-RU" sz="2400" dirty="0" smtClean="0">
-                <a:latin typeface="Bookman Old Style" panose="02050604050505020204" pitchFamily="18" charset="0"/>
-              </a:rPr>
               <a:t>().</a:t>
-            </a:r>
-            <a:endParaRPr lang="ru-RU" sz="2400" dirty="0">
-              <a:latin typeface="Bookman Old Style" panose="02050604050505020204" pitchFamily="18" charset="0"/>
-            </a:endParaRPr>
-          </a:p>
-          <a:p>
-            <a:pPr>
-              <a:lnSpc>
-                <a:spcPct val="150000"/>
-              </a:lnSpc>
-            </a:pPr>
-            <a:r>
-              <a:rPr lang="ru-RU" sz="2400" dirty="0">
-                <a:latin typeface="Bookman Old Style" panose="02050604050505020204" pitchFamily="18" charset="0"/>
-              </a:rPr>
-              <a:t>Метод </a:t>
-            </a:r>
-            <a:r>
-              <a:rPr lang="ru-RU" sz="2400" b="1" dirty="0" err="1">
-                <a:latin typeface="Bookman Old Style" panose="02050604050505020204" pitchFamily="18" charset="0"/>
-              </a:rPr>
-              <a:t>LoadFrom</a:t>
-            </a:r>
-            <a:r>
-              <a:rPr lang="ru-RU" sz="2400" dirty="0">
-                <a:latin typeface="Bookman Old Style" panose="02050604050505020204" pitchFamily="18" charset="0"/>
-              </a:rPr>
-              <a:t>() принимает в качестве параметра путь к сборке.</a:t>
             </a:r>
             <a:endParaRPr lang="en-US" sz="2400" dirty="0">
               <a:latin typeface="Bookman Old Style" panose="02050604050505020204" pitchFamily="18" charset="0"/>
@@ -11868,15 +11845,15 @@
         </p:nvSpPr>
         <p:spPr>
           <a:xfrm>
-            <a:off x="139700" y="0"/>
-            <a:ext cx="12052300" cy="5262979"/>
+            <a:off x="0" y="0"/>
+            <a:ext cx="12192000" cy="5262979"/>
           </a:xfrm>
           <a:prstGeom prst="rect">
             <a:avLst/>
           </a:prstGeom>
         </p:spPr>
         <p:txBody>
-          <a:bodyPr wrap="square">
+          <a:bodyPr wrap="square" lIns="360000" rIns="360000">
             <a:spAutoFit/>
           </a:bodyPr>
           <a:lstStyle/>
@@ -12519,15 +12496,15 @@
         </p:nvSpPr>
         <p:spPr>
           <a:xfrm>
-            <a:off x="139700" y="0"/>
-            <a:ext cx="12052300" cy="5078313"/>
+            <a:off x="0" y="0"/>
+            <a:ext cx="12192000" cy="5078313"/>
           </a:xfrm>
           <a:prstGeom prst="rect">
             <a:avLst/>
           </a:prstGeom>
         </p:spPr>
         <p:txBody>
-          <a:bodyPr wrap="square">
+          <a:bodyPr wrap="square" lIns="360000" rIns="360000">
             <a:spAutoFit/>
           </a:bodyPr>
           <a:lstStyle/>
@@ -13279,15 +13256,15 @@
         </p:nvSpPr>
         <p:spPr>
           <a:xfrm>
-            <a:off x="270662" y="654355"/>
-            <a:ext cx="11623854" cy="4524315"/>
+            <a:off x="0" y="654355"/>
+            <a:ext cx="12192000" cy="4524315"/>
           </a:xfrm>
           <a:prstGeom prst="rect">
             <a:avLst/>
           </a:prstGeom>
         </p:spPr>
         <p:txBody>
-          <a:bodyPr wrap="square">
+          <a:bodyPr wrap="square" lIns="360000" rIns="360000">
             <a:spAutoFit/>
           </a:bodyPr>
           <a:lstStyle/>
@@ -13444,20 +13421,20 @@
         </p:nvSpPr>
         <p:spPr>
           <a:xfrm>
-            <a:off x="139700" y="0"/>
-            <a:ext cx="11886489" cy="6740307"/>
+            <a:off x="0" y="0"/>
+            <a:ext cx="12192000" cy="6740307"/>
           </a:xfrm>
           <a:prstGeom prst="rect">
             <a:avLst/>
           </a:prstGeom>
         </p:spPr>
         <p:txBody>
-          <a:bodyPr wrap="square">
+          <a:bodyPr wrap="square" lIns="360000" rIns="360000">
             <a:spAutoFit/>
           </a:bodyPr>
           <a:lstStyle/>
           <a:p>
-            <a:pPr>
+            <a:pPr algn="just">
               <a:lnSpc>
                 <a:spcPct val="150000"/>
               </a:lnSpc>
@@ -13479,7 +13456,7 @@
             </a:endParaRPr>
           </a:p>
           <a:p>
-            <a:pPr>
+            <a:pPr algn="just">
               <a:lnSpc>
                 <a:spcPct val="150000"/>
               </a:lnSpc>
@@ -13594,7 +13571,7 @@
             </a:r>
           </a:p>
           <a:p>
-            <a:pPr>
+            <a:pPr algn="just">
               <a:lnSpc>
                 <a:spcPct val="150000"/>
               </a:lnSpc>
@@ -13607,7 +13584,7 @@
             </a:endParaRPr>
           </a:p>
           <a:p>
-            <a:pPr>
+            <a:pPr algn="just">
               <a:lnSpc>
                 <a:spcPct val="150000"/>
               </a:lnSpc>
@@ -13719,7 +13696,7 @@
             </a:endParaRPr>
           </a:p>
           <a:p>
-            <a:pPr>
+            <a:pPr algn="just">
               <a:lnSpc>
                 <a:spcPct val="150000"/>
               </a:lnSpc>
@@ -13885,7 +13862,7 @@
             </a:endParaRPr>
           </a:p>
           <a:p>
-            <a:pPr>
+            <a:pPr algn="just">
               <a:lnSpc>
                 <a:spcPct val="150000"/>
               </a:lnSpc>
@@ -13977,15 +13954,15 @@
         </p:nvSpPr>
         <p:spPr>
           <a:xfrm>
-            <a:off x="139700" y="0"/>
-            <a:ext cx="11835282" cy="6186309"/>
+            <a:off x="0" y="0"/>
+            <a:ext cx="12192000" cy="6186309"/>
           </a:xfrm>
           <a:prstGeom prst="rect">
             <a:avLst/>
           </a:prstGeom>
         </p:spPr>
         <p:txBody>
-          <a:bodyPr wrap="square">
+          <a:bodyPr wrap="square" lIns="360000" rIns="360000">
             <a:spAutoFit/>
           </a:bodyPr>
           <a:lstStyle/>
@@ -14049,7 +14026,7 @@
             </a:r>
           </a:p>
           <a:p>
-            <a:pPr>
+            <a:pPr algn="just">
               <a:lnSpc>
                 <a:spcPct val="150000"/>
               </a:lnSpc>
@@ -14126,15 +14103,15 @@
         </p:nvSpPr>
         <p:spPr>
           <a:xfrm>
-            <a:off x="139700" y="0"/>
-            <a:ext cx="12052300" cy="6370975"/>
+            <a:off x="0" y="0"/>
+            <a:ext cx="12192000" cy="6370975"/>
           </a:xfrm>
           <a:prstGeom prst="rect">
             <a:avLst/>
           </a:prstGeom>
         </p:spPr>
         <p:txBody>
-          <a:bodyPr wrap="square">
+          <a:bodyPr wrap="square" lIns="360000" rIns="360000">
             <a:spAutoFit/>
           </a:bodyPr>
           <a:lstStyle/>
@@ -14935,15 +14912,15 @@
         </p:nvSpPr>
         <p:spPr>
           <a:xfrm>
-            <a:off x="139700" y="0"/>
-            <a:ext cx="12052300" cy="6924973"/>
+            <a:off x="0" y="0"/>
+            <a:ext cx="12192000" cy="6740307"/>
           </a:xfrm>
           <a:prstGeom prst="rect">
             <a:avLst/>
           </a:prstGeom>
         </p:spPr>
         <p:txBody>
-          <a:bodyPr wrap="square">
+          <a:bodyPr wrap="square" lIns="360000" rIns="360000">
             <a:spAutoFit/>
           </a:bodyPr>
           <a:lstStyle/>
@@ -14971,13 +14948,6 @@
               </a:rPr>
               <a:t>.</a:t>
             </a:r>
-          </a:p>
-          <a:p>
-            <a:pPr>
-              <a:lnSpc>
-                <a:spcPct val="150000"/>
-              </a:lnSpc>
-            </a:pPr>
             <a:endParaRPr lang="ru-RU" sz="2400" dirty="0">
               <a:solidFill>
                 <a:srgbClr val="000000"/>
@@ -15723,7 +15693,7 @@
               </a:rPr>
               <a:t>);</a:t>
             </a:r>
-            <a:endParaRPr lang="en-US" sz="2400" dirty="0">
+            <a:endParaRPr lang="ru-RU" sz="2400" dirty="0">
               <a:solidFill>
                 <a:srgbClr val="3B3B3B"/>
               </a:solidFill>
@@ -16082,21 +16052,29 @@
         </p:nvSpPr>
         <p:spPr>
           <a:xfrm>
-            <a:off x="139700" y="0"/>
-            <a:ext cx="12052300" cy="6370975"/>
+            <a:off x="0" y="0"/>
+            <a:ext cx="12192000" cy="6740307"/>
           </a:xfrm>
           <a:prstGeom prst="rect">
             <a:avLst/>
           </a:prstGeom>
         </p:spPr>
         <p:txBody>
-          <a:bodyPr wrap="square">
+          <a:bodyPr wrap="square" lIns="360000" rIns="360000">
             <a:spAutoFit/>
           </a:bodyPr>
           <a:lstStyle/>
           <a:p>
-            <a:r>
-              <a:rPr lang="en-US" sz="2400" dirty="0">
+            <a:endParaRPr lang="ru-RU" sz="2400" dirty="0" smtClean="0">
+              <a:solidFill>
+                <a:srgbClr val="0000FF"/>
+              </a:solidFill>
+              <a:latin typeface="Consolas" panose="020B0609020204030204" pitchFamily="49" charset="0"/>
+            </a:endParaRPr>
+          </a:p>
+          <a:p>
+            <a:r>
+              <a:rPr lang="en-US" sz="2400" dirty="0" smtClean="0">
                 <a:solidFill>
                   <a:srgbClr val="0000FF"/>
                 </a:solidFill>
@@ -16497,15 +16475,15 @@
         </p:nvSpPr>
         <p:spPr>
           <a:xfrm>
-            <a:off x="139700" y="0"/>
-            <a:ext cx="12052300" cy="6186309"/>
+            <a:off x="0" y="0"/>
+            <a:ext cx="12192000" cy="6186309"/>
           </a:xfrm>
           <a:prstGeom prst="rect">
             <a:avLst/>
           </a:prstGeom>
         </p:spPr>
         <p:txBody>
-          <a:bodyPr wrap="square">
+          <a:bodyPr wrap="square" lIns="360000" rIns="360000">
             <a:spAutoFit/>
           </a:bodyPr>
           <a:lstStyle/>
@@ -16741,15 +16719,15 @@
         </p:nvSpPr>
         <p:spPr>
           <a:xfrm>
-            <a:off x="139700" y="0"/>
-            <a:ext cx="12052300" cy="6832640"/>
+            <a:off x="0" y="190500"/>
+            <a:ext cx="12192000" cy="6555641"/>
           </a:xfrm>
           <a:prstGeom prst="rect">
             <a:avLst/>
           </a:prstGeom>
         </p:spPr>
         <p:txBody>
-          <a:bodyPr wrap="square">
+          <a:bodyPr wrap="square" lIns="360000" rIns="360000">
             <a:spAutoFit/>
           </a:bodyPr>
           <a:lstStyle/>
@@ -16765,11 +16743,18 @@
               </a:tabLst>
             </a:pPr>
             <a:r>
+              <a:rPr lang="ru-RU" sz="2400" dirty="0" smtClean="0">
+                <a:latin typeface="Bookman Old Style" panose="02050604050505020204" pitchFamily="18" charset="0"/>
+                <a:ea typeface="Times New Roman" panose="02020603050405020304" pitchFamily="18" charset="0"/>
+              </a:rPr>
+              <a:t>Сначала </a:t>
+            </a:r>
+            <a:r>
               <a:rPr lang="ru-RU" sz="2400" dirty="0">
                 <a:latin typeface="Bookman Old Style" panose="02050604050505020204" pitchFamily="18" charset="0"/>
                 <a:ea typeface="Times New Roman" panose="02020603050405020304" pitchFamily="18" charset="0"/>
               </a:rPr>
-              <a:t>Сначала создадим интерфейс для </a:t>
+              <a:t>создадим интерфейс для </a:t>
             </a:r>
             <a:r>
               <a:rPr lang="ru-RU" sz="2400" dirty="0" smtClean="0">
@@ -17426,7 +17411,7 @@
               </a:spcAft>
             </a:pPr>
             <a:r>
-              <a:rPr lang="ru-RU" sz="2400" dirty="0">
+              <a:rPr lang="ru-RU" sz="2400" dirty="0" smtClean="0">
                 <a:solidFill>
                   <a:srgbClr val="3B3B3B"/>
                 </a:solidFill>
@@ -17437,20 +17422,6 @@
             </a:r>
             <a:endParaRPr lang="ru-RU" sz="2400" dirty="0">
               <a:latin typeface="Times New Roman" panose="02020603050405020304" pitchFamily="18" charset="0"/>
-              <a:ea typeface="Times New Roman" panose="02020603050405020304" pitchFamily="18" charset="0"/>
-            </a:endParaRPr>
-          </a:p>
-          <a:p>
-            <a:pPr lvl="0" algn="just">
-              <a:spcAft>
-                <a:spcPts val="0"/>
-              </a:spcAft>
-              <a:tabLst>
-                <a:tab pos="457200" algn="l"/>
-              </a:tabLst>
-            </a:pPr>
-            <a:endParaRPr lang="ru-RU" dirty="0">
-              <a:latin typeface="Bookman Old Style" panose="02050604050505020204" pitchFamily="18" charset="0"/>
               <a:ea typeface="Times New Roman" panose="02020603050405020304" pitchFamily="18" charset="0"/>
             </a:endParaRPr>
           </a:p>
@@ -17501,15 +17472,15 @@
         </p:nvSpPr>
         <p:spPr>
           <a:xfrm>
-            <a:off x="139700" y="0"/>
-            <a:ext cx="12052300" cy="7109639"/>
+            <a:off x="0" y="0"/>
+            <a:ext cx="12192000" cy="6740307"/>
           </a:xfrm>
           <a:prstGeom prst="rect">
             <a:avLst/>
           </a:prstGeom>
         </p:spPr>
         <p:txBody>
-          <a:bodyPr wrap="square">
+          <a:bodyPr wrap="square" lIns="360000" rIns="360000">
             <a:spAutoFit/>
           </a:bodyPr>
           <a:lstStyle/>
@@ -17551,54 +17522,38 @@
             </a:endParaRPr>
           </a:p>
           <a:p>
-            <a:pPr>
-              <a:spcAft>
-                <a:spcPts val="0"/>
-              </a:spcAft>
-            </a:pPr>
-            <a:r>
-              <a:rPr lang="ru-RU" sz="2400" dirty="0" smtClean="0">
-                <a:solidFill>
-                  <a:srgbClr val="008000"/>
+            <a:r>
+              <a:rPr lang="ru-RU" sz="2400" dirty="0" err="1" smtClean="0">
+                <a:solidFill>
+                  <a:srgbClr val="0000FF"/>
                 </a:solidFill>
                 <a:latin typeface="Courier New" panose="02070309020205020404" pitchFamily="49" charset="0"/>
                 <a:ea typeface="Times New Roman" panose="02020603050405020304" pitchFamily="18" charset="0"/>
               </a:rPr>
-              <a:t>// </a:t>
-            </a:r>
-            <a:r>
-              <a:rPr lang="ru-RU" sz="2400" dirty="0">
-                <a:solidFill>
-                  <a:srgbClr val="008000"/>
+              <a:t>string</a:t>
+            </a:r>
+            <a:r>
+              <a:rPr lang="ru-RU" sz="2400" dirty="0" smtClean="0">
+                <a:solidFill>
+                  <a:srgbClr val="3B3B3B"/>
                 </a:solidFill>
                 <a:latin typeface="Courier New" panose="02070309020205020404" pitchFamily="49" charset="0"/>
                 <a:ea typeface="Times New Roman" panose="02020603050405020304" pitchFamily="18" charset="0"/>
               </a:rPr>
-              <a:t>Путь к сборке плагина</a:t>
-            </a:r>
-            <a:endParaRPr lang="ru-RU" sz="2400" dirty="0">
-              <a:latin typeface="Times New Roman" panose="02020603050405020304" pitchFamily="18" charset="0"/>
-              <a:ea typeface="Times New Roman" panose="02020603050405020304" pitchFamily="18" charset="0"/>
-            </a:endParaRPr>
-          </a:p>
-          <a:p>
-            <a:pPr>
-              <a:spcAft>
-                <a:spcPts val="0"/>
-              </a:spcAft>
-            </a:pPr>
-            <a:r>
-              <a:rPr lang="ru-RU" sz="2400" dirty="0" err="1" smtClean="0">
-                <a:solidFill>
-                  <a:srgbClr val="0000FF"/>
+              <a:t> </a:t>
+            </a:r>
+            <a:r>
+              <a:rPr lang="ru-RU" sz="2400" dirty="0" err="1">
+                <a:solidFill>
+                  <a:srgbClr val="001080"/>
                 </a:solidFill>
                 <a:latin typeface="Courier New" panose="02070309020205020404" pitchFamily="49" charset="0"/>
                 <a:ea typeface="Times New Roman" panose="02020603050405020304" pitchFamily="18" charset="0"/>
               </a:rPr>
-              <a:t>string</a:t>
-            </a:r>
-            <a:r>
-              <a:rPr lang="ru-RU" sz="2400" dirty="0" smtClean="0">
+              <a:t>pluginPath</a:t>
+            </a:r>
+            <a:r>
+              <a:rPr lang="ru-RU" sz="2400" dirty="0">
                 <a:solidFill>
                   <a:srgbClr val="3B3B3B"/>
                 </a:solidFill>
@@ -17608,14 +17563,14 @@
               <a:t> </a:t>
             </a:r>
             <a:r>
-              <a:rPr lang="ru-RU" sz="2400" dirty="0" err="1">
-                <a:solidFill>
-                  <a:srgbClr val="001080"/>
+              <a:rPr lang="ru-RU" sz="2400" dirty="0">
+                <a:solidFill>
+                  <a:srgbClr val="000000"/>
                 </a:solidFill>
                 <a:latin typeface="Courier New" panose="02070309020205020404" pitchFamily="49" charset="0"/>
                 <a:ea typeface="Times New Roman" panose="02020603050405020304" pitchFamily="18" charset="0"/>
               </a:rPr>
-              <a:t>pluginPath</a:t>
+              <a:t>=</a:t>
             </a:r>
             <a:r>
               <a:rPr lang="ru-RU" sz="2400" dirty="0">
@@ -17630,42 +17585,82 @@
             <a:r>
               <a:rPr lang="ru-RU" sz="2400" dirty="0">
                 <a:solidFill>
-                  <a:srgbClr val="000000"/>
+                  <a:srgbClr val="A31515"/>
                 </a:solidFill>
                 <a:latin typeface="Courier New" panose="02070309020205020404" pitchFamily="49" charset="0"/>
                 <a:ea typeface="Times New Roman" panose="02020603050405020304" pitchFamily="18" charset="0"/>
               </a:rPr>
-              <a:t>=</a:t>
-            </a:r>
-            <a:r>
-              <a:rPr lang="ru-RU" sz="2400" dirty="0">
-                <a:solidFill>
-                  <a:srgbClr val="3B3B3B"/>
+              <a:t>"MyPlugin.dll</a:t>
+            </a:r>
+            <a:r>
+              <a:rPr lang="ru-RU" sz="2400" dirty="0" smtClean="0">
+                <a:solidFill>
+                  <a:srgbClr val="A31515"/>
                 </a:solidFill>
                 <a:latin typeface="Courier New" panose="02070309020205020404" pitchFamily="49" charset="0"/>
                 <a:ea typeface="Times New Roman" panose="02020603050405020304" pitchFamily="18" charset="0"/>
               </a:rPr>
-              <a:t> </a:t>
-            </a:r>
-            <a:r>
-              <a:rPr lang="ru-RU" sz="2400" dirty="0">
-                <a:solidFill>
-                  <a:srgbClr val="A31515"/>
+              <a:t>"</a:t>
+            </a:r>
+            <a:r>
+              <a:rPr lang="ru-RU" sz="2400" dirty="0" smtClean="0">
+                <a:solidFill>
+                  <a:srgbClr val="3B3B3B"/>
                 </a:solidFill>
                 <a:latin typeface="Courier New" panose="02070309020205020404" pitchFamily="49" charset="0"/>
                 <a:ea typeface="Times New Roman" panose="02020603050405020304" pitchFamily="18" charset="0"/>
               </a:rPr>
-              <a:t>"MyPlugin.dll"</a:t>
+              <a:t>;</a:t>
             </a:r>
             <a:r>
               <a:rPr lang="ru-RU" sz="2400" dirty="0">
                 <a:solidFill>
-                  <a:srgbClr val="3B3B3B"/>
+                  <a:srgbClr val="008000"/>
                 </a:solidFill>
                 <a:latin typeface="Courier New" panose="02070309020205020404" pitchFamily="49" charset="0"/>
                 <a:ea typeface="Times New Roman" panose="02020603050405020304" pitchFamily="18" charset="0"/>
               </a:rPr>
-              <a:t>;  </a:t>
+              <a:t> // Путь к сборке </a:t>
+            </a:r>
+            <a:r>
+              <a:rPr lang="ru-RU" sz="2400" dirty="0" smtClean="0">
+                <a:solidFill>
+                  <a:srgbClr val="008000"/>
+                </a:solidFill>
+                <a:latin typeface="Courier New" panose="02070309020205020404" pitchFamily="49" charset="0"/>
+                <a:ea typeface="Times New Roman" panose="02020603050405020304" pitchFamily="18" charset="0"/>
+              </a:rPr>
+              <a:t>плагина</a:t>
+            </a:r>
+            <a:r>
+              <a:rPr lang="ru-RU" sz="2400" dirty="0" smtClean="0">
+                <a:solidFill>
+                  <a:srgbClr val="3B3B3B"/>
+                </a:solidFill>
+                <a:latin typeface="Courier New" panose="02070309020205020404" pitchFamily="49" charset="0"/>
+                <a:ea typeface="Times New Roman" panose="02020603050405020304" pitchFamily="18" charset="0"/>
+              </a:rPr>
+              <a:t> </a:t>
+            </a:r>
+            <a:r>
+              <a:rPr lang="ru-RU" sz="2400" dirty="0">
+                <a:solidFill>
+                  <a:srgbClr val="3B3B3B"/>
+                </a:solidFill>
+                <a:latin typeface="Courier New" panose="02070309020205020404" pitchFamily="49" charset="0"/>
+                <a:ea typeface="Times New Roman" panose="02020603050405020304" pitchFamily="18" charset="0"/>
+              </a:rPr>
+              <a:t> </a:t>
+            </a:r>
+            <a:r>
+              <a:rPr lang="ru-RU" sz="2400" dirty="0" smtClean="0">
+                <a:solidFill>
+                  <a:srgbClr val="3B3B3B"/>
+                </a:solidFill>
+                <a:latin typeface="Courier New" panose="02070309020205020404" pitchFamily="49" charset="0"/>
+                <a:ea typeface="Times New Roman" panose="02020603050405020304" pitchFamily="18" charset="0"/>
+              </a:rPr>
+              <a:t> </a:t>
             </a:r>
             <a:endParaRPr lang="ru-RU" sz="2400" dirty="0">
               <a:latin typeface="Times New Roman" panose="02020603050405020304" pitchFamily="18" charset="0"/>
@@ -18836,15 +18831,15 @@
         </p:nvSpPr>
         <p:spPr>
           <a:xfrm>
-            <a:off x="234086" y="0"/>
-            <a:ext cx="11667744" cy="6740307"/>
+            <a:off x="0" y="0"/>
+            <a:ext cx="12192000" cy="6912250"/>
           </a:xfrm>
           <a:prstGeom prst="rect">
             <a:avLst/>
           </a:prstGeom>
         </p:spPr>
         <p:txBody>
-          <a:bodyPr wrap="square">
+          <a:bodyPr wrap="square" lIns="360000" tIns="46800" rIns="360000">
             <a:spAutoFit/>
           </a:bodyPr>
           <a:lstStyle/>
@@ -19099,7 +19094,7 @@
           </a:prstGeom>
         </p:spPr>
         <p:txBody>
-          <a:bodyPr wrap="square">
+          <a:bodyPr wrap="square" lIns="360000" rIns="360000">
             <a:spAutoFit/>
           </a:bodyPr>
           <a:lstStyle/>
@@ -19391,7 +19386,7 @@
               <a:t>Name</a:t>
             </a:r>
             <a:r>
-              <a:rPr lang="en-US" sz="2400" dirty="0">
+              <a:rPr lang="en-US" sz="2400" dirty="0" smtClean="0">
                 <a:solidFill>
                   <a:srgbClr val="A31515"/>
                 </a:solidFill>
@@ -19400,7 +19395,7 @@
               <a:t>}"</a:t>
             </a:r>
             <a:r>
-              <a:rPr lang="en-US" sz="2400" dirty="0">
+              <a:rPr lang="en-US" sz="2400" dirty="0" smtClean="0">
                 <a:solidFill>
                   <a:srgbClr val="3B3B3B"/>
                 </a:solidFill>
@@ -19415,7 +19410,7 @@
                 </a:solidFill>
                 <a:latin typeface="Consolas" panose="020B0609020204030204" pitchFamily="49" charset="0"/>
               </a:rPr>
-              <a:t>// </a:t>
+              <a:t>//</a:t>
             </a:r>
             <a:r>
               <a:rPr lang="ru-RU" sz="2400" dirty="0" smtClean="0">
@@ -19424,7 +19419,7 @@
                 </a:solidFill>
                 <a:latin typeface="Consolas" panose="020B0609020204030204" pitchFamily="49" charset="0"/>
               </a:rPr>
-              <a:t>получаем </a:t>
+              <a:t> </a:t>
             </a:r>
             <a:r>
               <a:rPr lang="ru-RU" sz="2400" dirty="0">
@@ -19531,7 +19526,7 @@
                 </a:solidFill>
                 <a:latin typeface="Consolas" panose="020B0609020204030204" pitchFamily="49" charset="0"/>
               </a:rPr>
-              <a:t>); </a:t>
+              <a:t>);</a:t>
             </a:r>
             <a:r>
               <a:rPr lang="en-US" sz="2400" dirty="0" smtClean="0">
@@ -19540,7 +19535,7 @@
                 </a:solidFill>
                 <a:latin typeface="Consolas" panose="020B0609020204030204" pitchFamily="49" charset="0"/>
               </a:rPr>
-              <a:t>// </a:t>
+              <a:t>//</a:t>
             </a:r>
             <a:r>
               <a:rPr lang="ru-RU" sz="2400" dirty="0" smtClean="0">
@@ -19775,7 +19770,7 @@
                 </a:solidFill>
                 <a:latin typeface="Consolas" panose="020B0609020204030204" pitchFamily="49" charset="0"/>
               </a:rPr>
-              <a:t>// </a:t>
+              <a:t>//</a:t>
             </a:r>
             <a:r>
               <a:rPr lang="ru-RU" sz="2400" dirty="0" smtClean="0">
@@ -19784,7 +19779,7 @@
                 </a:solidFill>
                 <a:latin typeface="Consolas" panose="020B0609020204030204" pitchFamily="49" charset="0"/>
               </a:rPr>
-              <a:t>тип структуры?</a:t>
+              <a:t>структура?</a:t>
             </a:r>
             <a:endParaRPr lang="ru-RU" sz="2400" dirty="0">
               <a:solidFill>
@@ -19891,7 +19886,7 @@
                 </a:solidFill>
                 <a:latin typeface="Consolas" panose="020B0609020204030204" pitchFamily="49" charset="0"/>
               </a:rPr>
-              <a:t>// </a:t>
+              <a:t>//</a:t>
             </a:r>
             <a:r>
               <a:rPr lang="ru-RU" sz="2400" dirty="0" smtClean="0">
@@ -19900,7 +19895,7 @@
                 </a:solidFill>
                 <a:latin typeface="Consolas" panose="020B0609020204030204" pitchFamily="49" charset="0"/>
               </a:rPr>
-              <a:t>тип класса?</a:t>
+              <a:t>класс?</a:t>
             </a:r>
             <a:endParaRPr lang="ru-RU" sz="2400" dirty="0">
               <a:solidFill>
@@ -20314,15 +20309,15 @@
         </p:nvSpPr>
         <p:spPr>
           <a:xfrm>
-            <a:off x="304800" y="0"/>
-            <a:ext cx="11468100" cy="5262979"/>
+            <a:off x="0" y="0"/>
+            <a:ext cx="12192000" cy="5262979"/>
           </a:xfrm>
           <a:prstGeom prst="rect">
             <a:avLst/>
           </a:prstGeom>
         </p:spPr>
         <p:txBody>
-          <a:bodyPr wrap="square">
+          <a:bodyPr wrap="square" lIns="360000" rIns="360000">
             <a:spAutoFit/>
           </a:bodyPr>
           <a:lstStyle/>
@@ -21396,7 +21391,7 @@
         </p:nvSpPr>
         <p:spPr>
           <a:xfrm>
-            <a:off x="5930900" y="5288340"/>
+            <a:off x="5930900" y="5145465"/>
             <a:ext cx="6261100" cy="1569660"/>
           </a:xfrm>
           <a:prstGeom prst="rect">
@@ -21529,7 +21524,7 @@
         </p:nvSpPr>
         <p:spPr>
           <a:xfrm>
-            <a:off x="1485900" y="5288340"/>
+            <a:off x="1485900" y="5145465"/>
             <a:ext cx="4445000" cy="1569660"/>
           </a:xfrm>
           <a:prstGeom prst="rect">
@@ -21692,15 +21687,15 @@
         </p:nvSpPr>
         <p:spPr>
           <a:xfrm>
-            <a:off x="234086" y="0"/>
-            <a:ext cx="11653114" cy="6740307"/>
+            <a:off x="0" y="0"/>
+            <a:ext cx="12192000" cy="6740307"/>
           </a:xfrm>
           <a:prstGeom prst="rect">
             <a:avLst/>
           </a:prstGeom>
         </p:spPr>
         <p:txBody>
-          <a:bodyPr wrap="square">
+          <a:bodyPr wrap="square" lIns="360000" rIns="360000">
             <a:spAutoFit/>
           </a:bodyPr>
           <a:lstStyle/>
@@ -22032,21 +22027,21 @@
         </p:nvSpPr>
         <p:spPr>
           <a:xfrm>
-            <a:off x="139700" y="0"/>
-            <a:ext cx="12052300" cy="7109639"/>
+            <a:off x="0" y="0"/>
+            <a:ext cx="12192000" cy="6740307"/>
           </a:xfrm>
           <a:prstGeom prst="rect">
             <a:avLst/>
           </a:prstGeom>
         </p:spPr>
         <p:txBody>
-          <a:bodyPr wrap="square">
+          <a:bodyPr wrap="square" lIns="360000" rIns="360000">
             <a:spAutoFit/>
           </a:bodyPr>
           <a:lstStyle/>
           <a:p>
             <a:r>
-              <a:rPr lang="en-US" sz="2400" dirty="0">
+              <a:rPr lang="en-US" sz="2400" dirty="0" smtClean="0">
                 <a:solidFill>
                   <a:srgbClr val="AF00DB"/>
                 </a:solidFill>
@@ -22055,7 +22050,7 @@
               <a:t>using</a:t>
             </a:r>
             <a:r>
-              <a:rPr lang="en-US" sz="2400" dirty="0">
+              <a:rPr lang="en-US" sz="2400" dirty="0" smtClean="0">
                 <a:solidFill>
                   <a:srgbClr val="3B3B3B"/>
                 </a:solidFill>
@@ -23069,10 +23064,10 @@
                 </a:solidFill>
                 <a:latin typeface="Consolas" panose="020B0609020204030204" pitchFamily="49" charset="0"/>
               </a:rPr>
-              <a:t>    </a:t>
-            </a:r>
-            <a:r>
-              <a:rPr lang="en-US" sz="2400" dirty="0">
+              <a:t>   </a:t>
+            </a:r>
+            <a:r>
+              <a:rPr lang="en-US" sz="2400" dirty="0" smtClean="0">
                 <a:solidFill>
                   <a:srgbClr val="0000FF"/>
                 </a:solidFill>
@@ -23081,7 +23076,7 @@
               <a:t>public</a:t>
             </a:r>
             <a:r>
-              <a:rPr lang="en-US" sz="2400" dirty="0">
+              <a:rPr lang="en-US" sz="2400" dirty="0" smtClean="0">
                 <a:solidFill>
                   <a:srgbClr val="3B3B3B"/>
                 </a:solidFill>
@@ -23117,16 +23112,16 @@
               <a:t>Print</a:t>
             </a:r>
             <a:r>
-              <a:rPr lang="en-US" sz="2400" dirty="0">
-                <a:solidFill>
-                  <a:srgbClr val="3B3B3B"/>
-                </a:solidFill>
-                <a:latin typeface="Consolas" panose="020B0609020204030204" pitchFamily="49" charset="0"/>
-              </a:rPr>
-              <a:t>() </a:t>
-            </a:r>
-            <a:r>
-              <a:rPr lang="en-US" sz="2400" dirty="0">
+              <a:rPr lang="en-US" sz="2400" dirty="0" smtClean="0">
+                <a:solidFill>
+                  <a:srgbClr val="3B3B3B"/>
+                </a:solidFill>
+                <a:latin typeface="Consolas" panose="020B0609020204030204" pitchFamily="49" charset="0"/>
+              </a:rPr>
+              <a:t>()</a:t>
+            </a:r>
+            <a:r>
+              <a:rPr lang="en-US" sz="2400" dirty="0" smtClean="0">
                 <a:solidFill>
                   <a:srgbClr val="000000"/>
                 </a:solidFill>
@@ -23135,16 +23130,7 @@
               <a:t>=&gt;</a:t>
             </a:r>
             <a:r>
-              <a:rPr lang="en-US" sz="2400" dirty="0">
-                <a:solidFill>
-                  <a:srgbClr val="3B3B3B"/>
-                </a:solidFill>
-                <a:latin typeface="Consolas" panose="020B0609020204030204" pitchFamily="49" charset="0"/>
-              </a:rPr>
-              <a:t> </a:t>
-            </a:r>
-            <a:r>
-              <a:rPr lang="en-US" sz="2400" dirty="0" err="1">
+              <a:rPr lang="en-US" sz="2400" dirty="0" err="1" smtClean="0">
                 <a:solidFill>
                   <a:srgbClr val="001080"/>
                 </a:solidFill>
@@ -23153,7 +23139,7 @@
               <a:t>Console</a:t>
             </a:r>
             <a:r>
-              <a:rPr lang="en-US" sz="2400" dirty="0" err="1">
+              <a:rPr lang="en-US" sz="2400" dirty="0" err="1" smtClean="0">
                 <a:solidFill>
                   <a:srgbClr val="3B3B3B"/>
                 </a:solidFill>
@@ -23162,7 +23148,7 @@
               <a:t>.</a:t>
             </a:r>
             <a:r>
-              <a:rPr lang="en-US" sz="2400" dirty="0" err="1">
+              <a:rPr lang="en-US" sz="2400" dirty="0" err="1" smtClean="0">
                 <a:solidFill>
                   <a:srgbClr val="795E26"/>
                 </a:solidFill>
@@ -23186,10 +23172,19 @@
                 </a:solidFill>
                 <a:latin typeface="Consolas" panose="020B0609020204030204" pitchFamily="49" charset="0"/>
               </a:rPr>
-              <a:t>$"Name: {</a:t>
-            </a:r>
-            <a:r>
-              <a:rPr lang="en-US" sz="2400" dirty="0">
+              <a:t>$"Name</a:t>
+            </a:r>
+            <a:r>
+              <a:rPr lang="en-US" sz="2400" dirty="0" smtClean="0">
+                <a:solidFill>
+                  <a:srgbClr val="A31515"/>
+                </a:solidFill>
+                <a:latin typeface="Consolas" panose="020B0609020204030204" pitchFamily="49" charset="0"/>
+              </a:rPr>
+              <a:t>:{</a:t>
+            </a:r>
+            <a:r>
+              <a:rPr lang="en-US" sz="2400" dirty="0" smtClean="0">
                 <a:solidFill>
                   <a:srgbClr val="001080"/>
                 </a:solidFill>
@@ -23198,13 +23193,31 @@
               <a:t>name</a:t>
             </a:r>
             <a:r>
-              <a:rPr lang="en-US" sz="2400" dirty="0">
+              <a:rPr lang="en-US" sz="2400" dirty="0" smtClean="0">
                 <a:solidFill>
                   <a:srgbClr val="A31515"/>
                 </a:solidFill>
                 <a:latin typeface="Consolas" panose="020B0609020204030204" pitchFamily="49" charset="0"/>
               </a:rPr>
-              <a:t>} Age: {</a:t>
+              <a:t>}</a:t>
+            </a:r>
+            <a:r>
+              <a:rPr lang="ru-RU" sz="2400" dirty="0">
+                <a:solidFill>
+                  <a:srgbClr val="A31515"/>
+                </a:solidFill>
+                <a:latin typeface="Consolas" panose="020B0609020204030204" pitchFamily="49" charset="0"/>
+              </a:rPr>
+              <a:t> </a:t>
+            </a:r>
+            <a:r>
+              <a:rPr lang="en-US" sz="2400" dirty="0" smtClean="0">
+                <a:solidFill>
+                  <a:srgbClr val="A31515"/>
+                </a:solidFill>
+                <a:latin typeface="Consolas" panose="020B0609020204030204" pitchFamily="49" charset="0"/>
+              </a:rPr>
+              <a:t>Age:{</a:t>
             </a:r>
             <a:r>
               <a:rPr lang="en-US" sz="2400" dirty="0">
@@ -23270,7 +23283,7 @@
         </p:blipFill>
         <p:spPr>
           <a:xfrm>
-            <a:off x="7200142" y="2050085"/>
+            <a:off x="7066792" y="2021510"/>
             <a:ext cx="4706565" cy="3812317"/>
           </a:xfrm>
           <a:prstGeom prst="rect">
@@ -23323,15 +23336,15 @@
         </p:nvSpPr>
         <p:spPr>
           <a:xfrm>
-            <a:off x="139700" y="0"/>
-            <a:ext cx="12052300" cy="6677662"/>
+            <a:off x="0" y="0"/>
+            <a:ext cx="12192000" cy="6677662"/>
           </a:xfrm>
           <a:prstGeom prst="rect">
             <a:avLst/>
           </a:prstGeom>
         </p:spPr>
         <p:txBody>
-          <a:bodyPr wrap="square">
+          <a:bodyPr wrap="square" lIns="360000" rIns="360000">
             <a:spAutoFit/>
           </a:bodyPr>
           <a:lstStyle/>
@@ -23615,21 +23628,29 @@
         </p:nvSpPr>
         <p:spPr>
           <a:xfrm>
-            <a:off x="139700" y="0"/>
-            <a:ext cx="12052300" cy="4524315"/>
+            <a:off x="0" y="0"/>
+            <a:ext cx="12192000" cy="4154984"/>
           </a:xfrm>
           <a:prstGeom prst="rect">
             <a:avLst/>
           </a:prstGeom>
         </p:spPr>
         <p:txBody>
-          <a:bodyPr wrap="square">
+          <a:bodyPr wrap="square" lIns="360000" rIns="360000">
             <a:spAutoFit/>
           </a:bodyPr>
           <a:lstStyle/>
           <a:p>
-            <a:r>
-              <a:rPr lang="en-US" sz="2400" dirty="0">
+            <a:endParaRPr lang="ru-RU" sz="2400" dirty="0" smtClean="0">
+              <a:solidFill>
+                <a:srgbClr val="AF00DB"/>
+              </a:solidFill>
+              <a:latin typeface="Consolas" panose="020B0609020204030204" pitchFamily="49" charset="0"/>
+            </a:endParaRPr>
+          </a:p>
+          <a:p>
+            <a:r>
+              <a:rPr lang="en-US" sz="2400" dirty="0" smtClean="0">
                 <a:solidFill>
                   <a:srgbClr val="AF00DB"/>
                 </a:solidFill>
@@ -23638,7 +23659,7 @@
               <a:t>using</a:t>
             </a:r>
             <a:r>
-              <a:rPr lang="en-US" sz="2400" dirty="0">
+              <a:rPr lang="en-US" sz="2400" dirty="0" smtClean="0">
                 <a:solidFill>
                   <a:srgbClr val="3B3B3B"/>
                 </a:solidFill>
@@ -23940,15 +23961,6 @@
               </a:rPr>
               <a:t>(</a:t>
             </a:r>
-            <a:r>
-              <a:rPr lang="en-US" sz="2400" dirty="0" smtClean="0">
-                <a:solidFill>
-                  <a:srgbClr val="3B3B3B"/>
-                </a:solidFill>
-                <a:latin typeface="Consolas" panose="020B0609020204030204" pitchFamily="49" charset="0"/>
-              </a:rPr>
-              <a:t/>
-            </a:r>
             <a:br>
               <a:rPr lang="en-US" sz="2400" dirty="0" smtClean="0">
                 <a:solidFill>
@@ -23964,7 +23976,7 @@
                 </a:solidFill>
                 <a:latin typeface="Consolas" panose="020B0609020204030204" pitchFamily="49" charset="0"/>
               </a:rPr>
-              <a:t>																</a:t>
+              <a:t>															</a:t>
             </a:r>
             <a:r>
               <a:rPr lang="en-US" sz="2400" dirty="0" err="1" smtClean="0">
@@ -24017,7 +24029,7 @@
                 </a:solidFill>
                 <a:latin typeface="Consolas" panose="020B0609020204030204" pitchFamily="49" charset="0"/>
               </a:rPr>
-              <a:t>												</a:t>
+              <a:t>											</a:t>
             </a:r>
             <a:r>
               <a:rPr lang="en-US" sz="2400" dirty="0" smtClean="0">
@@ -24097,7 +24109,7 @@
                 </a:solidFill>
                 <a:latin typeface="Consolas" panose="020B0609020204030204" pitchFamily="49" charset="0"/>
               </a:rPr>
-              <a:t> 												</a:t>
+              <a:t> 											</a:t>
             </a:r>
             <a:r>
               <a:rPr lang="en-US" sz="2400" dirty="0" smtClean="0">
@@ -24177,7 +24189,7 @@
                 </a:solidFill>
                 <a:latin typeface="Consolas" panose="020B0609020204030204" pitchFamily="49" charset="0"/>
               </a:rPr>
-              <a:t>															</a:t>
+              <a:t>														</a:t>
             </a:r>
             <a:r>
               <a:rPr lang="en-US" sz="2400" dirty="0" smtClean="0">
@@ -24242,17 +24254,6 @@
                 </a:solidFill>
                 <a:latin typeface="Consolas" panose="020B0609020204030204" pitchFamily="49" charset="0"/>
               </a:rPr>
-              <a:t>{</a:t>
-            </a:r>
-          </a:p>
-          <a:p>
-            <a:r>
-              <a:rPr lang="en-US" sz="2400" dirty="0">
-                <a:solidFill>
-                  <a:srgbClr val="3B3B3B"/>
-                </a:solidFill>
-                <a:latin typeface="Consolas" panose="020B0609020204030204" pitchFamily="49" charset="0"/>
-              </a:rPr>
               <a:t>    </a:t>
             </a:r>
             <a:r>
@@ -24409,7 +24410,7 @@
               <a:t>Name</a:t>
             </a:r>
             <a:r>
-              <a:rPr lang="en-US" sz="2400" dirty="0">
+              <a:rPr lang="en-US" sz="2400" dirty="0" smtClean="0">
                 <a:solidFill>
                   <a:srgbClr val="A31515"/>
                 </a:solidFill>
@@ -24418,7 +24419,7 @@
               <a:t>}"</a:t>
             </a:r>
             <a:r>
-              <a:rPr lang="en-US" sz="2400" dirty="0">
+              <a:rPr lang="en-US" sz="2400" dirty="0" smtClean="0">
                 <a:solidFill>
                   <a:srgbClr val="3B3B3B"/>
                 </a:solidFill>
@@ -24426,17 +24427,12 @@
               </a:rPr>
               <a:t>);</a:t>
             </a:r>
-          </a:p>
-          <a:p>
-            <a:r>
-              <a:rPr lang="en-US" sz="2400" dirty="0" smtClean="0">
-                <a:solidFill>
-                  <a:srgbClr val="3B3B3B"/>
-                </a:solidFill>
-                <a:latin typeface="Consolas" panose="020B0609020204030204" pitchFamily="49" charset="0"/>
-              </a:rPr>
-              <a:t>}</a:t>
-            </a:r>
+            <a:endParaRPr lang="en-US" sz="2400" dirty="0">
+              <a:solidFill>
+                <a:srgbClr val="3B3B3B"/>
+              </a:solidFill>
+              <a:latin typeface="Consolas" panose="020B0609020204030204" pitchFamily="49" charset="0"/>
+            </a:endParaRPr>
           </a:p>
         </p:txBody>
       </p:sp>
@@ -24456,8 +24452,8 @@
         </p:blipFill>
         <p:spPr>
           <a:xfrm>
-            <a:off x="7037883" y="3732988"/>
-            <a:ext cx="4966867" cy="3022600"/>
+            <a:off x="7234659" y="3788558"/>
+            <a:ext cx="4652542" cy="2831317"/>
           </a:xfrm>
           <a:prstGeom prst="rect">
             <a:avLst/>
